--- a/20130209_TypeScript.pptx
+++ b/20130209_TypeScript.pptx
@@ -5,7 +5,7 @@
     <p:sldMasterId id="2147483684" r:id="rId1"/>
   </p:sldMasterIdLst>
   <p:notesMasterIdLst>
-    <p:notesMasterId r:id="rId20"/>
+    <p:notesMasterId r:id="rId21"/>
   </p:notesMasterIdLst>
   <p:sldIdLst>
     <p:sldId id="256" r:id="rId2"/>
@@ -13,19 +13,20 @@
     <p:sldId id="354" r:id="rId4"/>
     <p:sldId id="356" r:id="rId5"/>
     <p:sldId id="357" r:id="rId6"/>
-    <p:sldId id="359" r:id="rId7"/>
-    <p:sldId id="355" r:id="rId8"/>
-    <p:sldId id="360" r:id="rId9"/>
-    <p:sldId id="364" r:id="rId10"/>
-    <p:sldId id="361" r:id="rId11"/>
-    <p:sldId id="366" r:id="rId12"/>
-    <p:sldId id="367" r:id="rId13"/>
-    <p:sldId id="362" r:id="rId14"/>
-    <p:sldId id="368" r:id="rId15"/>
-    <p:sldId id="369" r:id="rId16"/>
-    <p:sldId id="363" r:id="rId17"/>
-    <p:sldId id="358" r:id="rId18"/>
-    <p:sldId id="261" r:id="rId19"/>
+    <p:sldId id="370" r:id="rId7"/>
+    <p:sldId id="359" r:id="rId8"/>
+    <p:sldId id="355" r:id="rId9"/>
+    <p:sldId id="360" r:id="rId10"/>
+    <p:sldId id="364" r:id="rId11"/>
+    <p:sldId id="361" r:id="rId12"/>
+    <p:sldId id="366" r:id="rId13"/>
+    <p:sldId id="367" r:id="rId14"/>
+    <p:sldId id="362" r:id="rId15"/>
+    <p:sldId id="368" r:id="rId16"/>
+    <p:sldId id="369" r:id="rId17"/>
+    <p:sldId id="363" r:id="rId18"/>
+    <p:sldId id="358" r:id="rId19"/>
+    <p:sldId id="261" r:id="rId20"/>
   </p:sldIdLst>
   <p:sldSz cx="9144000" cy="6858000" type="screen4x3"/>
   <p:notesSz cx="6858000" cy="9144000"/>
@@ -225,7 +226,7 @@
           <a:p>
             <a:fld id="{6EBE45C2-1147-4836-8E0B-E6D95AAC8987}" type="datetimeFigureOut">
               <a:rPr lang="en-US" smtClean="0"/>
-              <a:t>2/8/2013</a:t>
+              <a:t>2/9/2013</a:t>
             </a:fld>
             <a:endParaRPr lang="en-US"/>
           </a:p>
@@ -1010,7 +1011,7 @@
             <a:fld id="{125EDE23-284B-4032-BB13-15D18E5884FA}" type="datetimeFigureOut">
               <a:rPr lang="en-US" smtClean="0"/>
               <a:pPr/>
-              <a:t>2/8/2013</a:t>
+              <a:t>2/9/2013</a:t>
             </a:fld>
             <a:endParaRPr lang="en-US"/>
           </a:p>
@@ -1112,7 +1113,7 @@
           </a:ln>
           <a:extLst>
             <a:ext uri="{91240B29-F687-4f45-9708-019B960494DF}">
-              <a14:hiddenLine xmlns="" xmlns:a14="http://schemas.microsoft.com/office/drawing/2010/main" w="9525">
+              <a14:hiddenLine xmlns:a14="http://schemas.microsoft.com/office/drawing/2010/main" xmlns="" w="9525">
                 <a:solidFill>
                   <a:srgbClr val="000000"/>
                 </a:solidFill>
@@ -1167,7 +1168,7 @@
           </a:ln>
           <a:extLst>
             <a:ext uri="{91240B29-F687-4f45-9708-019B960494DF}">
-              <a14:hiddenLine xmlns="" xmlns:a14="http://schemas.microsoft.com/office/drawing/2010/main" w="9525">
+              <a14:hiddenLine xmlns:a14="http://schemas.microsoft.com/office/drawing/2010/main" xmlns="" w="9525">
                 <a:solidFill>
                   <a:srgbClr val="000000"/>
                 </a:solidFill>
@@ -1423,7 +1424,7 @@
             <a:fld id="{125EDE23-284B-4032-BB13-15D18E5884FA}" type="datetimeFigureOut">
               <a:rPr lang="en-US" smtClean="0"/>
               <a:pPr/>
-              <a:t>2/8/2013</a:t>
+              <a:t>2/9/2013</a:t>
             </a:fld>
             <a:endParaRPr lang="en-US"/>
           </a:p>
@@ -1673,7 +1674,7 @@
             <a:fld id="{125EDE23-284B-4032-BB13-15D18E5884FA}" type="datetimeFigureOut">
               <a:rPr lang="en-US" smtClean="0"/>
               <a:pPr/>
-              <a:t>2/8/2013</a:t>
+              <a:t>2/9/2013</a:t>
             </a:fld>
             <a:endParaRPr lang="en-US"/>
           </a:p>
@@ -2215,7 +2216,7 @@
             <a:fld id="{125EDE23-284B-4032-BB13-15D18E5884FA}" type="datetimeFigureOut">
               <a:rPr lang="en-US" smtClean="0"/>
               <a:pPr/>
-              <a:t>2/8/2013</a:t>
+              <a:t>2/9/2013</a:t>
             </a:fld>
             <a:endParaRPr lang="en-US"/>
           </a:p>
@@ -2465,7 +2466,7 @@
             <a:fld id="{125EDE23-284B-4032-BB13-15D18E5884FA}" type="datetimeFigureOut">
               <a:rPr lang="en-US" smtClean="0"/>
               <a:pPr/>
-              <a:t>2/8/2013</a:t>
+              <a:t>2/9/2013</a:t>
             </a:fld>
             <a:endParaRPr lang="en-US"/>
           </a:p>
@@ -2999,7 +3000,7 @@
             <a:fld id="{125EDE23-284B-4032-BB13-15D18E5884FA}" type="datetimeFigureOut">
               <a:rPr lang="en-US" smtClean="0"/>
               <a:pPr/>
-              <a:t>2/8/2013</a:t>
+              <a:t>2/9/2013</a:t>
             </a:fld>
             <a:endParaRPr lang="en-US"/>
           </a:p>
@@ -3298,7 +3299,7 @@
             <a:fld id="{125EDE23-284B-4032-BB13-15D18E5884FA}" type="datetimeFigureOut">
               <a:rPr lang="en-US" smtClean="0"/>
               <a:pPr/>
-              <a:t>2/8/2013</a:t>
+              <a:t>2/9/2013</a:t>
             </a:fld>
             <a:endParaRPr lang="en-US"/>
           </a:p>
@@ -3474,7 +3475,7 @@
             <a:fld id="{125EDE23-284B-4032-BB13-15D18E5884FA}" type="datetimeFigureOut">
               <a:rPr lang="en-US" smtClean="0"/>
               <a:pPr/>
-              <a:t>2/8/2013</a:t>
+              <a:t>2/9/2013</a:t>
             </a:fld>
             <a:endParaRPr lang="en-US"/>
           </a:p>
@@ -3656,7 +3657,7 @@
             <a:fld id="{125EDE23-284B-4032-BB13-15D18E5884FA}" type="datetimeFigureOut">
               <a:rPr lang="en-US" smtClean="0"/>
               <a:pPr/>
-              <a:t>2/8/2013</a:t>
+              <a:t>2/9/2013</a:t>
             </a:fld>
             <a:endParaRPr lang="en-US"/>
           </a:p>
@@ -3843,7 +3844,7 @@
             <a:fld id="{125EDE23-284B-4032-BB13-15D18E5884FA}" type="datetimeFigureOut">
               <a:rPr lang="en-US" smtClean="0"/>
               <a:pPr/>
-              <a:t>2/8/2013</a:t>
+              <a:t>2/9/2013</a:t>
             </a:fld>
             <a:endParaRPr lang="en-US"/>
           </a:p>
@@ -4101,7 +4102,7 @@
             <a:fld id="{125EDE23-284B-4032-BB13-15D18E5884FA}" type="datetimeFigureOut">
               <a:rPr lang="en-US" smtClean="0"/>
               <a:pPr/>
-              <a:t>2/8/2013</a:t>
+              <a:t>2/9/2013</a:t>
             </a:fld>
             <a:endParaRPr lang="en-US"/>
           </a:p>
@@ -4405,7 +4406,7 @@
             <a:fld id="{125EDE23-284B-4032-BB13-15D18E5884FA}" type="datetimeFigureOut">
               <a:rPr lang="en-US" smtClean="0"/>
               <a:pPr/>
-              <a:t>2/8/2013</a:t>
+              <a:t>2/9/2013</a:t>
             </a:fld>
             <a:endParaRPr lang="en-US"/>
           </a:p>
@@ -4849,7 +4850,7 @@
             <a:fld id="{125EDE23-284B-4032-BB13-15D18E5884FA}" type="datetimeFigureOut">
               <a:rPr lang="en-US" smtClean="0"/>
               <a:pPr/>
-              <a:t>2/8/2013</a:t>
+              <a:t>2/9/2013</a:t>
             </a:fld>
             <a:endParaRPr lang="en-US"/>
           </a:p>
@@ -4969,7 +4970,7 @@
             <a:fld id="{125EDE23-284B-4032-BB13-15D18E5884FA}" type="datetimeFigureOut">
               <a:rPr lang="en-US" smtClean="0"/>
               <a:pPr/>
-              <a:t>2/8/2013</a:t>
+              <a:t>2/9/2013</a:t>
             </a:fld>
             <a:endParaRPr lang="en-US"/>
           </a:p>
@@ -5066,7 +5067,7 @@
             <a:fld id="{125EDE23-284B-4032-BB13-15D18E5884FA}" type="datetimeFigureOut">
               <a:rPr lang="en-US" smtClean="0"/>
               <a:pPr/>
-              <a:t>2/8/2013</a:t>
+              <a:t>2/9/2013</a:t>
             </a:fld>
             <a:endParaRPr lang="en-US"/>
           </a:p>
@@ -5351,7 +5352,7 @@
             <a:fld id="{125EDE23-284B-4032-BB13-15D18E5884FA}" type="datetimeFigureOut">
               <a:rPr lang="en-US" smtClean="0"/>
               <a:pPr/>
-              <a:t>2/8/2013</a:t>
+              <a:t>2/9/2013</a:t>
             </a:fld>
             <a:endParaRPr lang="en-US"/>
           </a:p>
@@ -5644,7 +5645,7 @@
             <a:fld id="{125EDE23-284B-4032-BB13-15D18E5884FA}" type="datetimeFigureOut">
               <a:rPr lang="en-US" smtClean="0"/>
               <a:pPr/>
-              <a:t>2/8/2013</a:t>
+              <a:t>2/9/2013</a:t>
             </a:fld>
             <a:endParaRPr lang="en-US"/>
           </a:p>
@@ -6170,7 +6171,7 @@
             <a:fld id="{125EDE23-284B-4032-BB13-15D18E5884FA}" type="datetimeFigureOut">
               <a:rPr lang="en-US" smtClean="0"/>
               <a:pPr/>
-              <a:t>2/8/2013</a:t>
+              <a:t>2/9/2013</a:t>
             </a:fld>
             <a:endParaRPr lang="en-US"/>
           </a:p>
@@ -6866,12 +6867,8 @@
           <a:lstStyle/>
           <a:p>
             <a:r>
-              <a:rPr lang="en-US" dirty="0" err="1" smtClean="0"/>
-              <a:t>VisualStudio</a:t>
-            </a:r>
-            <a:r>
               <a:rPr lang="en-US" dirty="0" smtClean="0"/>
-              <a:t> Setup</a:t>
+              <a:t>Editors</a:t>
             </a:r>
             <a:endParaRPr lang="en-US" dirty="0"/>
           </a:p>
@@ -6892,69 +6889,9 @@
           <a:bodyPr/>
           <a:lstStyle/>
           <a:p>
-            <a:pPr marL="457200" indent="-457200">
-              <a:buFont typeface="+mj-lt"/>
-              <a:buAutoNum type="arabicPeriod"/>
-            </a:pPr>
-            <a:r>
-              <a:rPr lang="en-US" dirty="0"/>
-              <a:t>Installer </a:t>
-            </a:r>
             <a:r>
               <a:rPr lang="en-US" dirty="0" smtClean="0"/>
-              <a:t>- </a:t>
-            </a:r>
-            <a:r>
-              <a:rPr lang="en-US" dirty="0" smtClean="0">
-                <a:hlinkClick r:id="rId2"/>
-              </a:rPr>
-              <a:t>http</a:t>
-            </a:r>
-            <a:r>
-              <a:rPr lang="en-US" dirty="0">
-                <a:hlinkClick r:id="rId2"/>
-              </a:rPr>
-              <a:t>://www.typescriptlang.org/#</a:t>
-            </a:r>
-            <a:r>
-              <a:rPr lang="en-US" dirty="0" smtClean="0">
-                <a:hlinkClick r:id="rId2"/>
-              </a:rPr>
-              <a:t>Download</a:t>
-            </a:r>
-            <a:endParaRPr lang="en-US" dirty="0" smtClean="0"/>
-          </a:p>
-          <a:p>
-            <a:pPr marL="457200" indent="-457200">
-              <a:buFont typeface="+mj-lt"/>
-              <a:buAutoNum type="arabicPeriod"/>
-            </a:pPr>
-            <a:r>
-              <a:rPr lang="en-US" dirty="0"/>
-              <a:t>Web Essentials - </a:t>
-            </a:r>
-            <a:r>
-              <a:rPr lang="en-US" dirty="0">
-                <a:hlinkClick r:id="rId3"/>
-              </a:rPr>
-              <a:t>http://</a:t>
-            </a:r>
-            <a:r>
-              <a:rPr lang="en-US" dirty="0" smtClean="0">
-                <a:hlinkClick r:id="rId3"/>
-              </a:rPr>
-              <a:t>visualstudiogallery.msdn.microsoft.com/07d54d12-7133-4e15-becb-6f451ea3bea6</a:t>
-            </a:r>
-            <a:endParaRPr lang="en-US" dirty="0" smtClean="0"/>
-          </a:p>
-          <a:p>
-            <a:pPr marL="914400" lvl="1" indent="-457200">
-              <a:buFont typeface="+mj-lt"/>
-              <a:buAutoNum type="arabicPeriod"/>
-            </a:pPr>
-            <a:r>
-              <a:rPr lang="en-US" dirty="0" smtClean="0"/>
-              <a:t>Side by side view .</a:t>
+              <a:t>Anything that can generate a .</a:t>
             </a:r>
             <a:r>
               <a:rPr lang="en-US" dirty="0" err="1" smtClean="0"/>
@@ -6962,61 +6899,43 @@
             </a:r>
             <a:r>
               <a:rPr lang="en-US" dirty="0" smtClean="0"/>
-              <a:t> and .</a:t>
-            </a:r>
+              <a:t> file, use tsc.exe directly to compile</a:t>
+            </a:r>
+          </a:p>
+          <a:p>
             <a:r>
               <a:rPr lang="en-US" dirty="0" err="1" smtClean="0"/>
-              <a:t>js</a:t>
+              <a:t>TypeScript</a:t>
             </a:r>
             <a:r>
               <a:rPr lang="en-US" dirty="0" smtClean="0"/>
-              <a:t> files</a:t>
-            </a:r>
-          </a:p>
-          <a:p>
-            <a:pPr marL="914400" lvl="1" indent="-457200">
-              <a:buFont typeface="+mj-lt"/>
-              <a:buAutoNum type="arabicPeriod"/>
-            </a:pPr>
+              <a:t> Playground – website</a:t>
+            </a:r>
+          </a:p>
+          <a:p>
             <a:r>
               <a:rPr lang="en-US" dirty="0" smtClean="0"/>
-              <a:t>Regions in your .</a:t>
-            </a:r>
+              <a:t>Sublime</a:t>
+            </a:r>
+          </a:p>
+          <a:p>
+            <a:r>
+              <a:rPr lang="en-US" dirty="0" smtClean="0"/>
+              <a:t>Vim</a:t>
+            </a:r>
+          </a:p>
+          <a:p>
             <a:r>
               <a:rPr lang="en-US" dirty="0" err="1" smtClean="0"/>
-              <a:t>ts</a:t>
-            </a:r>
+              <a:t>Emacs</a:t>
+            </a:r>
+            <a:endParaRPr lang="en-US" dirty="0" smtClean="0"/>
+          </a:p>
+          <a:p>
             <a:r>
               <a:rPr lang="en-US" dirty="0" smtClean="0"/>
-              <a:t> files</a:t>
-            </a:r>
-          </a:p>
-          <a:p>
-            <a:pPr marL="914400" lvl="1" indent="-457200">
-              <a:buFont typeface="+mj-lt"/>
-              <a:buAutoNum type="arabicPeriod"/>
-            </a:pPr>
-            <a:r>
-              <a:rPr lang="en-US" dirty="0" smtClean="0"/>
-              <a:t>Source maps (for debugging in the browser)</a:t>
-            </a:r>
-          </a:p>
-          <a:p>
-            <a:pPr marL="914400" lvl="1" indent="-457200">
-              <a:buFont typeface="+mj-lt"/>
-              <a:buAutoNum type="arabicPeriod"/>
-            </a:pPr>
-            <a:r>
-              <a:rPr lang="en-US" dirty="0" err="1" smtClean="0"/>
-              <a:t>Minification</a:t>
-            </a:r>
-            <a:endParaRPr lang="en-US" dirty="0" smtClean="0"/>
-          </a:p>
-          <a:p>
-            <a:pPr marL="914400" lvl="1" indent="-457200">
-              <a:buFont typeface="+mj-lt"/>
-              <a:buAutoNum type="arabicPeriod"/>
-            </a:pPr>
+              <a:t>Visual Studio</a:t>
+            </a:r>
             <a:endParaRPr lang="en-US" dirty="0"/>
           </a:p>
         </p:txBody>
@@ -7024,7 +6943,7 @@
     </p:spTree>
     <p:extLst>
       <p:ext uri="{BB962C8B-B14F-4D97-AF65-F5344CB8AC3E}">
-        <p14:creationId xmlns:p14="http://schemas.microsoft.com/office/powerpoint/2010/main" val="3965948351"/>
+        <p14:creationId xmlns:p14="http://schemas.microsoft.com/office/powerpoint/2010/main" val="2644981559"/>
       </p:ext>
     </p:extLst>
   </p:cSld>
@@ -7053,7 +6972,7 @@
       </p:grpSpPr>
       <p:sp>
         <p:nvSpPr>
-          <p:cNvPr id="4" name="Title 3"/>
+          <p:cNvPr id="2" name="Title 1"/>
           <p:cNvSpPr>
             <a:spLocks noGrp="1"/>
           </p:cNvSpPr>
@@ -7067,23 +6986,12 @@
           <a:lstStyle/>
           <a:p>
             <a:r>
+              <a:rPr lang="en-US" dirty="0" err="1" smtClean="0"/>
+              <a:t>VisualStudio</a:t>
+            </a:r>
+            <a:r>
               <a:rPr lang="en-US" dirty="0" smtClean="0"/>
-              <a:t>Dive Into the </a:t>
-            </a:r>
-            <a:br>
-              <a:rPr lang="en-US" dirty="0" smtClean="0"/>
-            </a:br>
-            <a:r>
-              <a:rPr lang="en-US" dirty="0" err="1" smtClean="0"/>
-              <a:t>TypeScript</a:t>
-            </a:r>
-            <a:r>
-              <a:rPr lang="en-US" dirty="0" smtClean="0"/>
-              <a:t> </a:t>
-            </a:r>
-            <a:r>
-              <a:rPr lang="en-US" dirty="0" smtClean="0"/>
-              <a:t>Type System</a:t>
+              <a:t> Setup</a:t>
             </a:r>
             <a:endParaRPr lang="en-US" dirty="0"/>
           </a:p>
@@ -7091,12 +6999,12 @@
       </p:sp>
       <p:sp>
         <p:nvSpPr>
-          <p:cNvPr id="5" name="Text Placeholder 4"/>
-          <p:cNvSpPr>
-            <a:spLocks noGrp="1"/>
-          </p:cNvSpPr>
-          <p:nvPr>
-            <p:ph type="body" idx="1"/>
+          <p:cNvPr id="3" name="Content Placeholder 2"/>
+          <p:cNvSpPr>
+            <a:spLocks noGrp="1"/>
+          </p:cNvSpPr>
+          <p:nvPr>
+            <p:ph idx="1"/>
           </p:nvPr>
         </p:nvSpPr>
         <p:spPr/>
@@ -7104,10 +7012,131 @@
           <a:bodyPr/>
           <a:lstStyle/>
           <a:p>
+            <a:pPr marL="457200" indent="-457200">
+              <a:buFont typeface="+mj-lt"/>
+              <a:buAutoNum type="arabicPeriod"/>
+            </a:pPr>
+            <a:r>
+              <a:rPr lang="en-US" dirty="0"/>
+              <a:t>Installer </a:t>
+            </a:r>
             <a:r>
               <a:rPr lang="en-US" dirty="0" smtClean="0"/>
-              <a:t>Demo</a:t>
-            </a:r>
+              <a:t>- </a:t>
+            </a:r>
+            <a:r>
+              <a:rPr lang="en-US" dirty="0" smtClean="0">
+                <a:hlinkClick r:id="rId2"/>
+              </a:rPr>
+              <a:t>http</a:t>
+            </a:r>
+            <a:r>
+              <a:rPr lang="en-US" dirty="0">
+                <a:hlinkClick r:id="rId2"/>
+              </a:rPr>
+              <a:t>://www.typescriptlang.org/#</a:t>
+            </a:r>
+            <a:r>
+              <a:rPr lang="en-US" dirty="0" smtClean="0">
+                <a:hlinkClick r:id="rId2"/>
+              </a:rPr>
+              <a:t>Download</a:t>
+            </a:r>
+            <a:endParaRPr lang="en-US" dirty="0" smtClean="0"/>
+          </a:p>
+          <a:p>
+            <a:pPr marL="457200" indent="-457200">
+              <a:buFont typeface="+mj-lt"/>
+              <a:buAutoNum type="arabicPeriod"/>
+            </a:pPr>
+            <a:r>
+              <a:rPr lang="en-US" dirty="0"/>
+              <a:t>Web Essentials - </a:t>
+            </a:r>
+            <a:r>
+              <a:rPr lang="en-US" dirty="0">
+                <a:hlinkClick r:id="rId3"/>
+              </a:rPr>
+              <a:t>http://</a:t>
+            </a:r>
+            <a:r>
+              <a:rPr lang="en-US" dirty="0" smtClean="0">
+                <a:hlinkClick r:id="rId3"/>
+              </a:rPr>
+              <a:t>visualstudiogallery.msdn.microsoft.com/07d54d12-7133-4e15-becb-6f451ea3bea6</a:t>
+            </a:r>
+            <a:endParaRPr lang="en-US" dirty="0" smtClean="0"/>
+          </a:p>
+          <a:p>
+            <a:pPr marL="914400" lvl="1" indent="-457200">
+              <a:buFont typeface="+mj-lt"/>
+              <a:buAutoNum type="arabicPeriod"/>
+            </a:pPr>
+            <a:r>
+              <a:rPr lang="en-US" dirty="0" smtClean="0"/>
+              <a:t>Side by side view .</a:t>
+            </a:r>
+            <a:r>
+              <a:rPr lang="en-US" dirty="0" err="1" smtClean="0"/>
+              <a:t>ts</a:t>
+            </a:r>
+            <a:r>
+              <a:rPr lang="en-US" dirty="0" smtClean="0"/>
+              <a:t> and .</a:t>
+            </a:r>
+            <a:r>
+              <a:rPr lang="en-US" dirty="0" err="1" smtClean="0"/>
+              <a:t>js</a:t>
+            </a:r>
+            <a:r>
+              <a:rPr lang="en-US" dirty="0" smtClean="0"/>
+              <a:t> files</a:t>
+            </a:r>
+          </a:p>
+          <a:p>
+            <a:pPr marL="914400" lvl="1" indent="-457200">
+              <a:buFont typeface="+mj-lt"/>
+              <a:buAutoNum type="arabicPeriod"/>
+            </a:pPr>
+            <a:r>
+              <a:rPr lang="en-US" dirty="0" smtClean="0"/>
+              <a:t>Regions in your .</a:t>
+            </a:r>
+            <a:r>
+              <a:rPr lang="en-US" dirty="0" err="1" smtClean="0"/>
+              <a:t>ts</a:t>
+            </a:r>
+            <a:r>
+              <a:rPr lang="en-US" dirty="0" smtClean="0"/>
+              <a:t> files</a:t>
+            </a:r>
+          </a:p>
+          <a:p>
+            <a:pPr marL="914400" lvl="1" indent="-457200">
+              <a:buFont typeface="+mj-lt"/>
+              <a:buAutoNum type="arabicPeriod"/>
+            </a:pPr>
+            <a:r>
+              <a:rPr lang="en-US" dirty="0" smtClean="0"/>
+              <a:t>Source maps (for debugging in the browser)</a:t>
+            </a:r>
+          </a:p>
+          <a:p>
+            <a:pPr marL="914400" lvl="1" indent="-457200">
+              <a:buFont typeface="+mj-lt"/>
+              <a:buAutoNum type="arabicPeriod"/>
+            </a:pPr>
+            <a:r>
+              <a:rPr lang="en-US" dirty="0" err="1" smtClean="0"/>
+              <a:t>Minification</a:t>
+            </a:r>
+            <a:endParaRPr lang="en-US" dirty="0" smtClean="0"/>
+          </a:p>
+          <a:p>
+            <a:pPr marL="914400" lvl="1" indent="-457200">
+              <a:buFont typeface="+mj-lt"/>
+              <a:buAutoNum type="arabicPeriod"/>
+            </a:pPr>
             <a:endParaRPr lang="en-US" dirty="0"/>
           </a:p>
         </p:txBody>
@@ -7115,7 +7144,7 @@
     </p:spTree>
     <p:extLst>
       <p:ext uri="{BB962C8B-B14F-4D97-AF65-F5344CB8AC3E}">
-        <p14:creationId xmlns:p14="http://schemas.microsoft.com/office/powerpoint/2010/main" val="2493221028"/>
+        <p14:creationId xmlns:p14="http://schemas.microsoft.com/office/powerpoint/2010/main" val="3965948351"/>
       </p:ext>
     </p:extLst>
   </p:cSld>
@@ -7159,15 +7188,18 @@
           <a:p>
             <a:r>
               <a:rPr lang="en-US" dirty="0" smtClean="0"/>
-              <a:t>Demo </a:t>
-            </a:r>
-            <a:r>
-              <a:rPr lang="en-US" dirty="0"/>
-              <a:t>t</a:t>
-            </a:r>
-            <a:r>
+              <a:t>Dive Into the </a:t>
+            </a:r>
+            <a:br>
               <a:rPr lang="en-US" dirty="0" smtClean="0"/>
-              <a:t>ake away</a:t>
+            </a:br>
+            <a:r>
+              <a:rPr lang="en-US" dirty="0" err="1" smtClean="0"/>
+              <a:t>TypeScript</a:t>
+            </a:r>
+            <a:r>
+              <a:rPr lang="en-US" dirty="0" smtClean="0"/>
+              <a:t> Type System</a:t>
             </a:r>
             <a:endParaRPr lang="en-US" dirty="0"/>
           </a:p>
@@ -7175,12 +7207,12 @@
       </p:sp>
       <p:sp>
         <p:nvSpPr>
-          <p:cNvPr id="5" name="Content Placeholder 4"/>
-          <p:cNvSpPr>
-            <a:spLocks noGrp="1"/>
-          </p:cNvSpPr>
-          <p:nvPr>
-            <p:ph idx="1"/>
+          <p:cNvPr id="5" name="Text Placeholder 4"/>
+          <p:cNvSpPr>
+            <a:spLocks noGrp="1"/>
+          </p:cNvSpPr>
+          <p:nvPr>
+            <p:ph type="body" idx="1"/>
           </p:nvPr>
         </p:nvSpPr>
         <p:spPr/>
@@ -7190,36 +7222,16 @@
           <a:p>
             <a:r>
               <a:rPr lang="en-US" dirty="0" smtClean="0"/>
-              <a:t>With a few “hints” the </a:t>
-            </a:r>
-            <a:r>
-              <a:rPr lang="en-US" dirty="0" err="1" smtClean="0"/>
-              <a:t>TypeScript</a:t>
-            </a:r>
-            <a:r>
-              <a:rPr lang="en-US" dirty="0" smtClean="0"/>
-              <a:t> type inference engine can make a huge number of assumptions about your intent, so that the tooling can identify spots in your code during development where you have strayed from this intent.</a:t>
-            </a:r>
-          </a:p>
-          <a:p>
-            <a:r>
-              <a:rPr lang="en-US" dirty="0" err="1" smtClean="0"/>
-              <a:t>TypeScript</a:t>
-            </a:r>
-            <a:r>
-              <a:rPr lang="en-US" dirty="0" smtClean="0"/>
-              <a:t> compiles to normal dynamic JavaScript, so the typing is only during development and not during runtime.</a:t>
-            </a:r>
-          </a:p>
-          <a:p>
-            <a:endParaRPr lang="en-US" dirty="0" smtClean="0"/>
+              <a:t>Demo</a:t>
+            </a:r>
+            <a:endParaRPr lang="en-US" dirty="0"/>
           </a:p>
         </p:txBody>
       </p:sp>
     </p:spTree>
     <p:extLst>
       <p:ext uri="{BB962C8B-B14F-4D97-AF65-F5344CB8AC3E}">
-        <p14:creationId xmlns:p14="http://schemas.microsoft.com/office/powerpoint/2010/main" val="3780544749"/>
+        <p14:creationId xmlns:p14="http://schemas.microsoft.com/office/powerpoint/2010/main" val="2493221028"/>
       </p:ext>
     </p:extLst>
   </p:cSld>
@@ -7248,7 +7260,7 @@
       </p:grpSpPr>
       <p:sp>
         <p:nvSpPr>
-          <p:cNvPr id="2" name="Title 1"/>
+          <p:cNvPr id="4" name="Title 3"/>
           <p:cNvSpPr>
             <a:spLocks noGrp="1"/>
           </p:cNvSpPr>
@@ -7263,98 +7275,67 @@
           <a:p>
             <a:r>
               <a:rPr lang="en-US" dirty="0" smtClean="0"/>
-              <a:t>Code Structure in </a:t>
+              <a:t>Demo </a:t>
+            </a:r>
+            <a:r>
+              <a:rPr lang="en-US" dirty="0"/>
+              <a:t>t</a:t>
+            </a:r>
+            <a:r>
+              <a:rPr lang="en-US" dirty="0" smtClean="0"/>
+              <a:t>ake away</a:t>
+            </a:r>
+            <a:endParaRPr lang="en-US" dirty="0"/>
+          </a:p>
+        </p:txBody>
+      </p:sp>
+      <p:sp>
+        <p:nvSpPr>
+          <p:cNvPr id="5" name="Content Placeholder 4"/>
+          <p:cNvSpPr>
+            <a:spLocks noGrp="1"/>
+          </p:cNvSpPr>
+          <p:nvPr>
+            <p:ph idx="1"/>
+          </p:nvPr>
+        </p:nvSpPr>
+        <p:spPr/>
+        <p:txBody>
+          <a:bodyPr/>
+          <a:lstStyle/>
+          <a:p>
+            <a:r>
+              <a:rPr lang="en-US" dirty="0" smtClean="0"/>
+              <a:t>With a few “hints” the </a:t>
             </a:r>
             <a:r>
               <a:rPr lang="en-US" dirty="0" err="1" smtClean="0"/>
               <a:t>TypeScript</a:t>
             </a:r>
-            <a:endParaRPr lang="en-US" dirty="0"/>
-          </a:p>
-        </p:txBody>
-      </p:sp>
-      <p:sp>
-        <p:nvSpPr>
-          <p:cNvPr id="3" name="Content Placeholder 2"/>
-          <p:cNvSpPr>
-            <a:spLocks noGrp="1"/>
-          </p:cNvSpPr>
-          <p:nvPr>
-            <p:ph idx="1"/>
-          </p:nvPr>
-        </p:nvSpPr>
-        <p:spPr/>
-        <p:txBody>
-          <a:bodyPr/>
-          <a:lstStyle/>
-          <a:p>
             <a:r>
               <a:rPr lang="en-US" dirty="0" smtClean="0"/>
-              <a:t>Module</a:t>
-            </a:r>
-          </a:p>
-          <a:p>
+              <a:t> type inference engine can make a huge number of assumptions about your intent, so that the tooling can identify spots in your code during development where you have strayed from this intent.</a:t>
+            </a:r>
+          </a:p>
+          <a:p>
+            <a:r>
+              <a:rPr lang="en-US" dirty="0" err="1" smtClean="0"/>
+              <a:t>TypeScript</a:t>
+            </a:r>
             <a:r>
               <a:rPr lang="en-US" dirty="0" smtClean="0"/>
-              <a:t>Class</a:t>
-            </a:r>
-          </a:p>
-          <a:p>
-            <a:pPr lvl="1"/>
-            <a:r>
-              <a:rPr lang="en-US" dirty="0" smtClean="0"/>
-              <a:t>Implement</a:t>
-            </a:r>
-          </a:p>
-          <a:p>
-            <a:pPr lvl="2"/>
-            <a:r>
-              <a:rPr lang="en-US" dirty="0" smtClean="0"/>
-              <a:t>Interfaces</a:t>
-            </a:r>
-          </a:p>
-          <a:p>
-            <a:pPr lvl="1"/>
-            <a:r>
-              <a:rPr lang="en-US" dirty="0" smtClean="0"/>
-              <a:t>Have</a:t>
-            </a:r>
-          </a:p>
-          <a:p>
-            <a:pPr lvl="2"/>
-            <a:r>
-              <a:rPr lang="en-US" dirty="0" smtClean="0"/>
-              <a:t>Fields</a:t>
-            </a:r>
-          </a:p>
-          <a:p>
-            <a:pPr lvl="2"/>
-            <a:r>
-              <a:rPr lang="en-US" dirty="0" smtClean="0"/>
-              <a:t>Properties</a:t>
-            </a:r>
-          </a:p>
-          <a:p>
-            <a:pPr lvl="2"/>
-            <a:r>
-              <a:rPr lang="en-US" dirty="0" smtClean="0"/>
-              <a:t>Constructors</a:t>
-            </a:r>
-          </a:p>
-          <a:p>
-            <a:pPr lvl="2"/>
-            <a:r>
-              <a:rPr lang="en-US" dirty="0" smtClean="0"/>
-              <a:t>Functions</a:t>
-            </a:r>
-            <a:endParaRPr lang="en-US" dirty="0"/>
+              <a:t> compiles to normal dynamic JavaScript, so the typing is only during development and not during runtime.</a:t>
+            </a:r>
+          </a:p>
+          <a:p>
+            <a:endParaRPr lang="en-US" dirty="0" smtClean="0"/>
           </a:p>
         </p:txBody>
       </p:sp>
     </p:spTree>
     <p:extLst>
       <p:ext uri="{BB962C8B-B14F-4D97-AF65-F5344CB8AC3E}">
-        <p14:creationId xmlns:p14="http://schemas.microsoft.com/office/powerpoint/2010/main" val="1006784462"/>
+        <p14:creationId xmlns:p14="http://schemas.microsoft.com/office/powerpoint/2010/main" val="3780544749"/>
       </p:ext>
     </p:extLst>
   </p:cSld>
@@ -7383,7 +7364,7 @@
       </p:grpSpPr>
       <p:sp>
         <p:nvSpPr>
-          <p:cNvPr id="4" name="Title 3"/>
+          <p:cNvPr id="2" name="Title 1"/>
           <p:cNvSpPr>
             <a:spLocks noGrp="1"/>
           </p:cNvSpPr>
@@ -7398,14 +7379,7 @@
           <a:p>
             <a:r>
               <a:rPr lang="en-US" dirty="0" smtClean="0"/>
-              <a:t>Dive Code Structure  </a:t>
-            </a:r>
-            <a:br>
-              <a:rPr lang="en-US" dirty="0" smtClean="0"/>
-            </a:br>
-            <a:r>
-              <a:rPr lang="en-US" dirty="0" smtClean="0"/>
-              <a:t>with </a:t>
+              <a:t>Code Structure in </a:t>
             </a:r>
             <a:r>
               <a:rPr lang="en-US" dirty="0" err="1" smtClean="0"/>
@@ -7417,12 +7391,12 @@
       </p:sp>
       <p:sp>
         <p:nvSpPr>
-          <p:cNvPr id="5" name="Text Placeholder 4"/>
-          <p:cNvSpPr>
-            <a:spLocks noGrp="1"/>
-          </p:cNvSpPr>
-          <p:nvPr>
-            <p:ph type="body" idx="1"/>
+          <p:cNvPr id="3" name="Content Placeholder 2"/>
+          <p:cNvSpPr>
+            <a:spLocks noGrp="1"/>
+          </p:cNvSpPr>
+          <p:nvPr>
+            <p:ph idx="1"/>
           </p:nvPr>
         </p:nvSpPr>
         <p:spPr/>
@@ -7432,7 +7406,62 @@
           <a:p>
             <a:r>
               <a:rPr lang="en-US" dirty="0" smtClean="0"/>
-              <a:t>Demo</a:t>
+              <a:t>Module</a:t>
+            </a:r>
+          </a:p>
+          <a:p>
+            <a:r>
+              <a:rPr lang="en-US" dirty="0" smtClean="0"/>
+              <a:t>Class</a:t>
+            </a:r>
+          </a:p>
+          <a:p>
+            <a:pPr lvl="1"/>
+            <a:r>
+              <a:rPr lang="en-US" dirty="0" smtClean="0"/>
+              <a:t>Implement</a:t>
+            </a:r>
+          </a:p>
+          <a:p>
+            <a:pPr lvl="2"/>
+            <a:r>
+              <a:rPr lang="en-US" dirty="0" smtClean="0"/>
+              <a:t>Interfaces</a:t>
+            </a:r>
+          </a:p>
+          <a:p>
+            <a:pPr lvl="1"/>
+            <a:r>
+              <a:rPr lang="en-US" dirty="0" smtClean="0"/>
+              <a:t>Have</a:t>
+            </a:r>
+          </a:p>
+          <a:p>
+            <a:pPr lvl="2"/>
+            <a:r>
+              <a:rPr lang="en-US" dirty="0" smtClean="0"/>
+              <a:t>Fields</a:t>
+            </a:r>
+          </a:p>
+          <a:p>
+            <a:pPr lvl="2"/>
+            <a:r>
+              <a:rPr lang="en-US" dirty="0" smtClean="0"/>
+              <a:t>Properties</a:t>
+            </a:r>
+          </a:p>
+          <a:p>
+            <a:pPr lvl="2"/>
+            <a:r>
+              <a:rPr lang="en-US" dirty="0" smtClean="0"/>
+              <a:t>Constructors</a:t>
+            </a:r>
+          </a:p>
+          <a:p>
+            <a:pPr lvl="2"/>
+            <a:r>
+              <a:rPr lang="en-US" dirty="0" smtClean="0"/>
+              <a:t>Functions</a:t>
             </a:r>
             <a:endParaRPr lang="en-US" dirty="0"/>
           </a:p>
@@ -7441,7 +7470,7 @@
     </p:spTree>
     <p:extLst>
       <p:ext uri="{BB962C8B-B14F-4D97-AF65-F5344CB8AC3E}">
-        <p14:creationId xmlns:p14="http://schemas.microsoft.com/office/powerpoint/2010/main" val="2671662760"/>
+        <p14:creationId xmlns:p14="http://schemas.microsoft.com/office/powerpoint/2010/main" val="1006784462"/>
       </p:ext>
     </p:extLst>
   </p:cSld>
@@ -7485,15 +7514,18 @@
           <a:p>
             <a:r>
               <a:rPr lang="en-US" dirty="0" smtClean="0"/>
-              <a:t>Demo </a:t>
-            </a:r>
-            <a:r>
-              <a:rPr lang="en-US" dirty="0"/>
-              <a:t>t</a:t>
-            </a:r>
-            <a:r>
+              <a:t>Dive Code Structure  </a:t>
+            </a:r>
+            <a:br>
               <a:rPr lang="en-US" dirty="0" smtClean="0"/>
-              <a:t>ake away</a:t>
+            </a:br>
+            <a:r>
+              <a:rPr lang="en-US" dirty="0" smtClean="0"/>
+              <a:t>with </a:t>
+            </a:r>
+            <a:r>
+              <a:rPr lang="en-US" dirty="0" err="1" smtClean="0"/>
+              <a:t>TypeScript</a:t>
             </a:r>
             <a:endParaRPr lang="en-US" dirty="0"/>
           </a:p>
@@ -7501,12 +7533,12 @@
       </p:sp>
       <p:sp>
         <p:nvSpPr>
-          <p:cNvPr id="5" name="Content Placeholder 4"/>
-          <p:cNvSpPr>
-            <a:spLocks noGrp="1"/>
-          </p:cNvSpPr>
-          <p:nvPr>
-            <p:ph idx="1"/>
+          <p:cNvPr id="5" name="Text Placeholder 4"/>
+          <p:cNvSpPr>
+            <a:spLocks noGrp="1"/>
+          </p:cNvSpPr>
+          <p:nvPr>
+            <p:ph type="body" idx="1"/>
           </p:nvPr>
         </p:nvSpPr>
         <p:spPr/>
@@ -7516,42 +7548,16 @@
           <a:p>
             <a:r>
               <a:rPr lang="en-US" dirty="0" smtClean="0"/>
-              <a:t>While all </a:t>
-            </a:r>
-            <a:r>
-              <a:rPr lang="en-US" dirty="0" err="1" smtClean="0"/>
-              <a:t>TypeScript</a:t>
-            </a:r>
-            <a:r>
-              <a:rPr lang="en-US" dirty="0" smtClean="0"/>
-              <a:t> is doing is generating </a:t>
-            </a:r>
-            <a:r>
-              <a:rPr lang="en-US" dirty="0" err="1" smtClean="0"/>
-              <a:t>javascript</a:t>
-            </a:r>
-            <a:r>
-              <a:rPr lang="en-US" dirty="0" smtClean="0"/>
-              <a:t>, it is providing a layer of abstractions so that you can concentrate on the problem you are trying to solve, and abstract away some of the gymnastics that you have to do in </a:t>
-            </a:r>
-            <a:r>
-              <a:rPr lang="en-US" dirty="0" err="1" smtClean="0"/>
-              <a:t>javascript</a:t>
-            </a:r>
-            <a:r>
-              <a:rPr lang="en-US" dirty="0" smtClean="0"/>
-              <a:t> to produce “quality” code</a:t>
-            </a:r>
-          </a:p>
-          <a:p>
-            <a:endParaRPr lang="en-US" dirty="0" smtClean="0"/>
+              <a:t>Demo</a:t>
+            </a:r>
+            <a:endParaRPr lang="en-US" dirty="0"/>
           </a:p>
         </p:txBody>
       </p:sp>
     </p:spTree>
     <p:extLst>
       <p:ext uri="{BB962C8B-B14F-4D97-AF65-F5344CB8AC3E}">
-        <p14:creationId xmlns:p14="http://schemas.microsoft.com/office/powerpoint/2010/main" val="4057718531"/>
+        <p14:creationId xmlns:p14="http://schemas.microsoft.com/office/powerpoint/2010/main" val="2671662760"/>
       </p:ext>
     </p:extLst>
   </p:cSld>
@@ -7580,7 +7586,7 @@
       </p:grpSpPr>
       <p:sp>
         <p:nvSpPr>
-          <p:cNvPr id="2" name="Title 1"/>
+          <p:cNvPr id="4" name="Title 3"/>
           <p:cNvSpPr>
             <a:spLocks noGrp="1"/>
           </p:cNvSpPr>
@@ -7594,12 +7600,16 @@
           <a:lstStyle/>
           <a:p>
             <a:r>
-              <a:rPr lang="en-US" dirty="0" err="1" smtClean="0"/>
-              <a:t>Misc</a:t>
-            </a:r>
-            <a:r>
               <a:rPr lang="en-US" dirty="0" smtClean="0"/>
-              <a:t> JavaScript Framework Support</a:t>
+              <a:t>Demo </a:t>
+            </a:r>
+            <a:r>
+              <a:rPr lang="en-US" dirty="0"/>
+              <a:t>t</a:t>
+            </a:r>
+            <a:r>
+              <a:rPr lang="en-US" dirty="0" smtClean="0"/>
+              <a:t>ake away</a:t>
             </a:r>
             <a:endParaRPr lang="en-US" dirty="0"/>
           </a:p>
@@ -7607,7 +7617,7 @@
       </p:sp>
       <p:sp>
         <p:nvSpPr>
-          <p:cNvPr id="3" name="Content Placeholder 2"/>
+          <p:cNvPr id="5" name="Content Placeholder 4"/>
           <p:cNvSpPr>
             <a:spLocks noGrp="1"/>
           </p:cNvSpPr>
@@ -7622,51 +7632,42 @@
           <a:p>
             <a:r>
               <a:rPr lang="en-US" dirty="0" smtClean="0"/>
-              <a:t>Via a definition file</a:t>
-            </a:r>
-          </a:p>
-          <a:p>
-            <a:r>
-              <a:rPr lang="en-US" dirty="0"/>
-              <a:t>https://</a:t>
+              <a:t>While all </a:t>
+            </a:r>
+            <a:r>
+              <a:rPr lang="en-US" dirty="0" err="1" smtClean="0"/>
+              <a:t>TypeScript</a:t>
             </a:r>
             <a:r>
               <a:rPr lang="en-US" dirty="0" smtClean="0"/>
-              <a:t>github.com/borisyankov/DefinitelyTyped#list-of-definitions</a:t>
-            </a:r>
-          </a:p>
-          <a:p>
-            <a:r>
-              <a:rPr lang="en-US" dirty="0"/>
-              <a:t>/// &lt;reference path="</a:t>
-            </a:r>
-            <a:r>
-              <a:rPr lang="en-US" dirty="0" err="1"/>
-              <a:t>jquery.d.ts</a:t>
-            </a:r>
-            <a:r>
-              <a:rPr lang="en-US" dirty="0"/>
-              <a:t>" </a:t>
+              <a:t> is doing is generating </a:t>
+            </a:r>
+            <a:r>
+              <a:rPr lang="en-US" dirty="0" err="1" smtClean="0"/>
+              <a:t>javascript</a:t>
             </a:r>
             <a:r>
               <a:rPr lang="en-US" dirty="0" smtClean="0"/>
-              <a:t>/&gt;</a:t>
-            </a:r>
-            <a:endParaRPr lang="en-US" dirty="0"/>
-          </a:p>
-          <a:p>
+              <a:t>, it is providing a layer of abstractions so that you can concentrate on the problem you are trying to solve, and abstract away some of the gymnastics that you have to do in </a:t>
+            </a:r>
+            <a:r>
+              <a:rPr lang="en-US" dirty="0" err="1" smtClean="0"/>
+              <a:t>javascript</a:t>
+            </a:r>
             <a:r>
               <a:rPr lang="en-US" dirty="0" smtClean="0"/>
-              <a:t>jQuery,Node.js, Knockout, and many more</a:t>
-            </a:r>
-            <a:endParaRPr lang="en-US" dirty="0"/>
+              <a:t> to produce “quality” code</a:t>
+            </a:r>
+          </a:p>
+          <a:p>
+            <a:endParaRPr lang="en-US" dirty="0" smtClean="0"/>
           </a:p>
         </p:txBody>
       </p:sp>
     </p:spTree>
     <p:extLst>
       <p:ext uri="{BB962C8B-B14F-4D97-AF65-F5344CB8AC3E}">
-        <p14:creationId xmlns:p14="http://schemas.microsoft.com/office/powerpoint/2010/main" val="528426312"/>
+        <p14:creationId xmlns:p14="http://schemas.microsoft.com/office/powerpoint/2010/main" val="4057718531"/>
       </p:ext>
     </p:extLst>
   </p:cSld>
@@ -7709,6 +7710,121 @@
           <a:lstStyle/>
           <a:p>
             <a:r>
+              <a:rPr lang="en-US" dirty="0" err="1" smtClean="0"/>
+              <a:t>Misc</a:t>
+            </a:r>
+            <a:r>
+              <a:rPr lang="en-US" dirty="0" smtClean="0"/>
+              <a:t> JavaScript Framework Support</a:t>
+            </a:r>
+            <a:endParaRPr lang="en-US" dirty="0"/>
+          </a:p>
+        </p:txBody>
+      </p:sp>
+      <p:sp>
+        <p:nvSpPr>
+          <p:cNvPr id="3" name="Content Placeholder 2"/>
+          <p:cNvSpPr>
+            <a:spLocks noGrp="1"/>
+          </p:cNvSpPr>
+          <p:nvPr>
+            <p:ph idx="1"/>
+          </p:nvPr>
+        </p:nvSpPr>
+        <p:spPr/>
+        <p:txBody>
+          <a:bodyPr/>
+          <a:lstStyle/>
+          <a:p>
+            <a:r>
+              <a:rPr lang="en-US" dirty="0" smtClean="0"/>
+              <a:t>Via a definition file</a:t>
+            </a:r>
+          </a:p>
+          <a:p>
+            <a:r>
+              <a:rPr lang="en-US" dirty="0"/>
+              <a:t>https://</a:t>
+            </a:r>
+            <a:r>
+              <a:rPr lang="en-US" dirty="0" smtClean="0"/>
+              <a:t>github.com/borisyankov/DefinitelyTyped#list-of-definitions</a:t>
+            </a:r>
+          </a:p>
+          <a:p>
+            <a:r>
+              <a:rPr lang="en-US" dirty="0"/>
+              <a:t>/// &lt;reference path="</a:t>
+            </a:r>
+            <a:r>
+              <a:rPr lang="en-US" dirty="0" err="1"/>
+              <a:t>jquery.d.ts</a:t>
+            </a:r>
+            <a:r>
+              <a:rPr lang="en-US" dirty="0"/>
+              <a:t>" </a:t>
+            </a:r>
+            <a:r>
+              <a:rPr lang="en-US" dirty="0" smtClean="0"/>
+              <a:t>/&gt;</a:t>
+            </a:r>
+            <a:endParaRPr lang="en-US" dirty="0"/>
+          </a:p>
+          <a:p>
+            <a:r>
+              <a:rPr lang="en-US" dirty="0" smtClean="0"/>
+              <a:t>jQuery,Node.js, Knockout, and many more</a:t>
+            </a:r>
+            <a:endParaRPr lang="en-US" dirty="0"/>
+          </a:p>
+        </p:txBody>
+      </p:sp>
+    </p:spTree>
+    <p:extLst>
+      <p:ext uri="{BB962C8B-B14F-4D97-AF65-F5344CB8AC3E}">
+        <p14:creationId xmlns:p14="http://schemas.microsoft.com/office/powerpoint/2010/main" val="528426312"/>
+      </p:ext>
+    </p:extLst>
+  </p:cSld>
+  <p:clrMapOvr>
+    <a:masterClrMapping/>
+  </p:clrMapOvr>
+</p:sld>
+</file>
+
+<file path=ppt/slides/slide18.xml><?xml version="1.0" encoding="utf-8"?>
+<p:sld xmlns:a="http://schemas.openxmlformats.org/drawingml/2006/main" xmlns:r="http://schemas.openxmlformats.org/officeDocument/2006/relationships" xmlns:p="http://schemas.openxmlformats.org/presentationml/2006/main">
+  <p:cSld>
+    <p:spTree>
+      <p:nvGrpSpPr>
+        <p:cNvPr id="1" name=""/>
+        <p:cNvGrpSpPr/>
+        <p:nvPr/>
+      </p:nvGrpSpPr>
+      <p:grpSpPr>
+        <a:xfrm>
+          <a:off x="0" y="0"/>
+          <a:ext cx="0" cy="0"/>
+          <a:chOff x="0" y="0"/>
+          <a:chExt cx="0" cy="0"/>
+        </a:xfrm>
+      </p:grpSpPr>
+      <p:sp>
+        <p:nvSpPr>
+          <p:cNvPr id="2" name="Title 1"/>
+          <p:cNvSpPr>
+            <a:spLocks noGrp="1"/>
+          </p:cNvSpPr>
+          <p:nvPr>
+            <p:ph type="title"/>
+          </p:nvPr>
+        </p:nvSpPr>
+        <p:spPr/>
+        <p:txBody>
+          <a:bodyPr/>
+          <a:lstStyle/>
+          <a:p>
+            <a:r>
               <a:rPr lang="en-US" dirty="0" smtClean="0"/>
               <a:t>For More Information</a:t>
             </a:r>
@@ -7810,7 +7926,7 @@
 </p:sld>
 </file>
 
-<file path=ppt/slides/slide18.xml><?xml version="1.0" encoding="utf-8"?>
+<file path=ppt/slides/slide19.xml><?xml version="1.0" encoding="utf-8"?>
 <p:sld xmlns:a="http://schemas.openxmlformats.org/drawingml/2006/main" xmlns:r="http://schemas.openxmlformats.org/officeDocument/2006/relationships" xmlns:p="http://schemas.openxmlformats.org/presentationml/2006/main">
   <p:cSld>
     <p:spTree>
@@ -9220,6 +9336,182 @@
         </p:nvSpPr>
         <p:spPr/>
         <p:txBody>
+          <a:bodyPr>
+            <a:normAutofit fontScale="90000"/>
+          </a:bodyPr>
+          <a:lstStyle/>
+          <a:p>
+            <a:r>
+              <a:rPr lang="en-US" dirty="0" smtClean="0"/>
+              <a:t>Why large apps are hard in JavaScript</a:t>
+            </a:r>
+            <a:endParaRPr lang="en-US" dirty="0"/>
+          </a:p>
+        </p:txBody>
+      </p:sp>
+      <p:sp>
+        <p:nvSpPr>
+          <p:cNvPr id="3" name="Content Placeholder 2"/>
+          <p:cNvSpPr>
+            <a:spLocks noGrp="1"/>
+          </p:cNvSpPr>
+          <p:nvPr>
+            <p:ph idx="1"/>
+          </p:nvPr>
+        </p:nvSpPr>
+        <p:spPr/>
+        <p:txBody>
+          <a:bodyPr>
+            <a:normAutofit fontScale="70000" lnSpcReduction="20000"/>
+          </a:bodyPr>
+          <a:lstStyle/>
+          <a:p>
+            <a:r>
+              <a:rPr lang="en-US" dirty="0"/>
+              <a:t>The automatic, often accidental, </a:t>
+            </a:r>
+            <a:r>
+              <a:rPr lang="en-US" b="1" dirty="0"/>
+              <a:t>inclusion in global scope</a:t>
+            </a:r>
+            <a:r>
+              <a:rPr lang="en-US" dirty="0"/>
+              <a:t>. </a:t>
+            </a:r>
+            <a:r>
+              <a:rPr lang="en-US" dirty="0" smtClean="0"/>
+              <a:t>This </a:t>
+            </a:r>
+            <a:r>
+              <a:rPr lang="en-US" dirty="0"/>
+              <a:t>results in code littering the global namespace at best, and overwriting other code’s functionality at worst. </a:t>
+            </a:r>
+          </a:p>
+          <a:p>
+            <a:r>
+              <a:rPr lang="en-US" b="1" dirty="0"/>
+              <a:t>No modules or namespaces </a:t>
+            </a:r>
+            <a:r>
+              <a:rPr lang="en-US" dirty="0"/>
+              <a:t>for code organization. In addition to contributing to the above problem, a lack of built-in modules means we have to resort to 3rd party libraries for dependency detection and loading. Often, developers will just take the easy route and load everything, resulting in web apps that load slowly and use excessive memory. </a:t>
+            </a:r>
+          </a:p>
+          <a:p>
+            <a:r>
+              <a:rPr lang="en-US" dirty="0"/>
+              <a:t>A 10-ways-to-do-this </a:t>
+            </a:r>
+            <a:r>
+              <a:rPr lang="en-US" b="1" dirty="0"/>
+              <a:t>inheritance pattern </a:t>
+            </a:r>
+            <a:r>
+              <a:rPr lang="en-US" dirty="0"/>
+              <a:t>that </a:t>
+            </a:r>
+            <a:r>
+              <a:rPr lang="en-US" dirty="0" err="1"/>
+              <a:t>kinda</a:t>
+            </a:r>
+            <a:r>
+              <a:rPr lang="en-US" dirty="0"/>
+              <a:t> </a:t>
+            </a:r>
+            <a:r>
+              <a:rPr lang="en-US" dirty="0" err="1"/>
+              <a:t>sorta</a:t>
+            </a:r>
+            <a:r>
+              <a:rPr lang="en-US" dirty="0"/>
+              <a:t> looks like classical inheritance but is really prototypal. Some codebases standardize on a 3rd party library (such as </a:t>
+            </a:r>
+            <a:r>
+              <a:rPr lang="en-US" dirty="0" err="1"/>
+              <a:t>MooTools</a:t>
+            </a:r>
+            <a:r>
+              <a:rPr lang="en-US" dirty="0"/>
+              <a:t> or Prototype), while other codebases become the Wild West of inheritance problems. </a:t>
+            </a:r>
+          </a:p>
+          <a:p>
+            <a:r>
+              <a:rPr lang="en-US" dirty="0"/>
+              <a:t>Without any types, </a:t>
+            </a:r>
+            <a:r>
+              <a:rPr lang="en-US" b="1" dirty="0"/>
+              <a:t>refactoring</a:t>
+            </a:r>
+            <a:r>
+              <a:rPr lang="en-US" dirty="0"/>
+              <a:t> and symbol analysis becomes painful. For example, want to find all callers of a function? Have fun with CTRL+F, and weed through who’s calling your function and who’s calling a function of the same name. Want to rename a property? CTRL+H and pray that no other code file has a property of the same name. And so on. </a:t>
+            </a:r>
+          </a:p>
+          <a:p>
+            <a:r>
+              <a:rPr lang="en-US" dirty="0">
+                <a:hlinkClick r:id="rId2"/>
+              </a:rPr>
+              <a:t>http://debuggerdotbreak.wordpress.com/2012/10/01/typescript-coffeescript-and-the-state-of-web-development-in-late-2012</a:t>
+            </a:r>
+            <a:r>
+              <a:rPr lang="en-US" dirty="0" smtClean="0">
+                <a:hlinkClick r:id="rId2"/>
+              </a:rPr>
+              <a:t>/</a:t>
+            </a:r>
+            <a:r>
+              <a:rPr lang="en-US" dirty="0" smtClean="0"/>
+              <a:t> </a:t>
+            </a:r>
+            <a:endParaRPr lang="en-US" dirty="0"/>
+          </a:p>
+        </p:txBody>
+      </p:sp>
+    </p:spTree>
+    <p:extLst>
+      <p:ext uri="{BB962C8B-B14F-4D97-AF65-F5344CB8AC3E}">
+        <p14:creationId xmlns:p14="http://schemas.microsoft.com/office/powerpoint/2010/main" val="1633625753"/>
+      </p:ext>
+    </p:extLst>
+  </p:cSld>
+  <p:clrMapOvr>
+    <a:masterClrMapping/>
+  </p:clrMapOvr>
+</p:sld>
+</file>
+
+<file path=ppt/slides/slide7.xml><?xml version="1.0" encoding="utf-8"?>
+<p:sld xmlns:a="http://schemas.openxmlformats.org/drawingml/2006/main" xmlns:r="http://schemas.openxmlformats.org/officeDocument/2006/relationships" xmlns:p="http://schemas.openxmlformats.org/presentationml/2006/main">
+  <p:cSld>
+    <p:spTree>
+      <p:nvGrpSpPr>
+        <p:cNvPr id="1" name=""/>
+        <p:cNvGrpSpPr/>
+        <p:nvPr/>
+      </p:nvGrpSpPr>
+      <p:grpSpPr>
+        <a:xfrm>
+          <a:off x="0" y="0"/>
+          <a:ext cx="0" cy="0"/>
+          <a:chOff x="0" y="0"/>
+          <a:chExt cx="0" cy="0"/>
+        </a:xfrm>
+      </p:grpSpPr>
+      <p:sp>
+        <p:nvSpPr>
+          <p:cNvPr id="2" name="Title 1"/>
+          <p:cNvSpPr>
+            <a:spLocks noGrp="1"/>
+          </p:cNvSpPr>
+          <p:nvPr>
+            <p:ph type="title"/>
+          </p:nvPr>
+        </p:nvSpPr>
+        <p:spPr/>
+        <p:txBody>
           <a:bodyPr/>
           <a:lstStyle/>
           <a:p>
@@ -9343,166 +9635,6 @@
 </p:sld>
 </file>
 
-<file path=ppt/slides/slide7.xml><?xml version="1.0" encoding="utf-8"?>
-<p:sld xmlns:a="http://schemas.openxmlformats.org/drawingml/2006/main" xmlns:r="http://schemas.openxmlformats.org/officeDocument/2006/relationships" xmlns:p="http://schemas.openxmlformats.org/presentationml/2006/main">
-  <p:cSld>
-    <p:spTree>
-      <p:nvGrpSpPr>
-        <p:cNvPr id="1" name=""/>
-        <p:cNvGrpSpPr/>
-        <p:nvPr/>
-      </p:nvGrpSpPr>
-      <p:grpSpPr>
-        <a:xfrm>
-          <a:off x="0" y="0"/>
-          <a:ext cx="0" cy="0"/>
-          <a:chOff x="0" y="0"/>
-          <a:chExt cx="0" cy="0"/>
-        </a:xfrm>
-      </p:grpSpPr>
-      <p:sp>
-        <p:nvSpPr>
-          <p:cNvPr id="2" name="Title 1"/>
-          <p:cNvSpPr>
-            <a:spLocks noGrp="1"/>
-          </p:cNvSpPr>
-          <p:nvPr>
-            <p:ph type="title"/>
-          </p:nvPr>
-        </p:nvSpPr>
-        <p:spPr/>
-        <p:txBody>
-          <a:bodyPr/>
-          <a:lstStyle/>
-          <a:p>
-            <a:r>
-              <a:rPr lang="en-US" smtClean="0"/>
-              <a:t>TypeScript is ….</a:t>
-            </a:r>
-            <a:endParaRPr lang="en-US" dirty="0"/>
-          </a:p>
-        </p:txBody>
-      </p:sp>
-      <p:sp>
-        <p:nvSpPr>
-          <p:cNvPr id="3" name="Content Placeholder 2"/>
-          <p:cNvSpPr>
-            <a:spLocks noGrp="1"/>
-          </p:cNvSpPr>
-          <p:nvPr>
-            <p:ph idx="1"/>
-          </p:nvPr>
-        </p:nvSpPr>
-        <p:spPr/>
-        <p:txBody>
-          <a:bodyPr>
-            <a:normAutofit lnSpcReduction="10000"/>
-          </a:bodyPr>
-          <a:lstStyle/>
-          <a:p>
-            <a:r>
-              <a:rPr lang="en-US" dirty="0" smtClean="0"/>
-              <a:t>JavaScript – Everything you can do in JavaScript you can do in </a:t>
-            </a:r>
-            <a:r>
-              <a:rPr lang="en-US" dirty="0" err="1" smtClean="0"/>
-              <a:t>TypeScript</a:t>
-            </a:r>
-            <a:endParaRPr lang="en-US" dirty="0" smtClean="0"/>
-          </a:p>
-          <a:p>
-            <a:r>
-              <a:rPr lang="en-US" dirty="0" smtClean="0"/>
-              <a:t>Static typed</a:t>
-            </a:r>
-          </a:p>
-          <a:p>
-            <a:r>
-              <a:rPr lang="en-US" dirty="0" smtClean="0"/>
-              <a:t>Classes, Modules, Interfaces</a:t>
-            </a:r>
-          </a:p>
-          <a:p>
-            <a:pPr lvl="1"/>
-            <a:r>
-              <a:rPr lang="en-US" dirty="0" smtClean="0"/>
-              <a:t>Constructors, Properties, Functions, Arrows</a:t>
-            </a:r>
-          </a:p>
-          <a:p>
-            <a:r>
-              <a:rPr lang="en-US" dirty="0" err="1" smtClean="0"/>
-              <a:t>OpenSource</a:t>
-            </a:r>
-            <a:endParaRPr lang="en-US" dirty="0" smtClean="0"/>
-          </a:p>
-          <a:p>
-            <a:r>
-              <a:rPr lang="en-US" dirty="0" smtClean="0"/>
-              <a:t>All Browsers, All OS-</a:t>
-            </a:r>
-            <a:r>
-              <a:rPr lang="en-US" dirty="0" err="1" smtClean="0"/>
-              <a:t>es</a:t>
-            </a:r>
-            <a:endParaRPr lang="en-US" dirty="0" smtClean="0"/>
-          </a:p>
-          <a:p>
-            <a:r>
-              <a:rPr lang="en-US" dirty="0" smtClean="0"/>
-              <a:t>Tool Support – sooner you find a bug the cheaper it is to fix</a:t>
-            </a:r>
-          </a:p>
-          <a:p>
-            <a:pPr lvl="1"/>
-            <a:r>
-              <a:rPr lang="en-US" dirty="0" err="1" smtClean="0"/>
-              <a:t>Intellisense</a:t>
-            </a:r>
-            <a:r>
-              <a:rPr lang="en-US" dirty="0" smtClean="0"/>
-              <a:t>, Syntax checking, etc.</a:t>
-            </a:r>
-          </a:p>
-          <a:p>
-            <a:pPr marL="0" indent="0">
-              <a:buNone/>
-            </a:pPr>
-            <a:endParaRPr lang="en-US" dirty="0" smtClean="0"/>
-          </a:p>
-          <a:p>
-            <a:endParaRPr lang="en-US" dirty="0" smtClean="0"/>
-          </a:p>
-          <a:p>
-            <a:endParaRPr lang="en-US" dirty="0" smtClean="0"/>
-          </a:p>
-          <a:p>
-            <a:endParaRPr lang="en-US" dirty="0" smtClean="0"/>
-          </a:p>
-          <a:p>
-            <a:endParaRPr lang="en-US" dirty="0" smtClean="0"/>
-          </a:p>
-          <a:p>
-            <a:endParaRPr lang="en-US" dirty="0" smtClean="0"/>
-          </a:p>
-          <a:p>
-            <a:endParaRPr lang="en-US" dirty="0"/>
-          </a:p>
-        </p:txBody>
-      </p:sp>
-    </p:spTree>
-    <p:extLst>
-      <p:ext uri="{BB962C8B-B14F-4D97-AF65-F5344CB8AC3E}">
-        <p14:creationId xmlns:p14="http://schemas.microsoft.com/office/powerpoint/2010/main" val="4261736165"/>
-      </p:ext>
-    </p:extLst>
-  </p:cSld>
-  <p:clrMapOvr>
-    <a:masterClrMapping/>
-  </p:clrMapOvr>
-</p:sld>
-</file>
-
 <file path=ppt/slides/slide8.xml><?xml version="1.0" encoding="utf-8"?>
 <p:sld xmlns:a="http://schemas.openxmlformats.org/drawingml/2006/main" xmlns:r="http://schemas.openxmlformats.org/officeDocument/2006/relationships" xmlns:p="http://schemas.openxmlformats.org/presentationml/2006/main">
   <p:cSld>
@@ -9536,49 +9668,124 @@
           <a:lstStyle/>
           <a:p>
             <a:r>
+              <a:rPr lang="en-US" smtClean="0"/>
+              <a:t>TypeScript is ….</a:t>
+            </a:r>
+            <a:endParaRPr lang="en-US" dirty="0"/>
+          </a:p>
+        </p:txBody>
+      </p:sp>
+      <p:sp>
+        <p:nvSpPr>
+          <p:cNvPr id="3" name="Content Placeholder 2"/>
+          <p:cNvSpPr>
+            <a:spLocks noGrp="1"/>
+          </p:cNvSpPr>
+          <p:nvPr>
+            <p:ph idx="1"/>
+          </p:nvPr>
+        </p:nvSpPr>
+        <p:spPr/>
+        <p:txBody>
+          <a:bodyPr>
+            <a:normAutofit lnSpcReduction="10000"/>
+          </a:bodyPr>
+          <a:lstStyle/>
+          <a:p>
+            <a:r>
               <a:rPr lang="en-US" dirty="0" smtClean="0"/>
-              <a:t>tsc.exe</a:t>
-            </a:r>
+              <a:t>JavaScript – Everything you can do in JavaScript you can do in </a:t>
+            </a:r>
+            <a:r>
+              <a:rPr lang="en-US" dirty="0" err="1" smtClean="0"/>
+              <a:t>TypeScript</a:t>
+            </a:r>
+            <a:endParaRPr lang="en-US" dirty="0" smtClean="0"/>
+          </a:p>
+          <a:p>
+            <a:r>
+              <a:rPr lang="en-US" dirty="0" smtClean="0"/>
+              <a:t>Static typed</a:t>
+            </a:r>
+          </a:p>
+          <a:p>
+            <a:r>
+              <a:rPr lang="en-US" dirty="0" smtClean="0"/>
+              <a:t>Classes, Modules, Interfaces</a:t>
+            </a:r>
+          </a:p>
+          <a:p>
+            <a:pPr lvl="1"/>
+            <a:r>
+              <a:rPr lang="en-US" dirty="0" smtClean="0"/>
+              <a:t>Constructors, Properties, Functions, Arrows</a:t>
+            </a:r>
+          </a:p>
+          <a:p>
+            <a:r>
+              <a:rPr lang="en-US" dirty="0" err="1" smtClean="0"/>
+              <a:t>OpenSource</a:t>
+            </a:r>
+            <a:endParaRPr lang="en-US" dirty="0" smtClean="0"/>
+          </a:p>
+          <a:p>
+            <a:r>
+              <a:rPr lang="en-US" dirty="0" smtClean="0"/>
+              <a:t>All Browsers, All OS-</a:t>
+            </a:r>
+            <a:r>
+              <a:rPr lang="en-US" dirty="0" err="1" smtClean="0"/>
+              <a:t>es</a:t>
+            </a:r>
+            <a:endParaRPr lang="en-US" dirty="0" smtClean="0"/>
+          </a:p>
+          <a:p>
+            <a:r>
+              <a:rPr lang="en-US" dirty="0" smtClean="0"/>
+              <a:t>Tool Support – sooner you find a bug the cheaper it is to fix</a:t>
+            </a:r>
+          </a:p>
+          <a:p>
+            <a:pPr lvl="1"/>
+            <a:r>
+              <a:rPr lang="en-US" dirty="0" err="1" smtClean="0"/>
+              <a:t>Intellisense</a:t>
+            </a:r>
+            <a:r>
+              <a:rPr lang="en-US" dirty="0" smtClean="0"/>
+              <a:t>, Syntax checking, etc.</a:t>
+            </a:r>
+          </a:p>
+          <a:p>
+            <a:pPr marL="0" indent="0">
+              <a:buNone/>
+            </a:pPr>
+            <a:endParaRPr lang="en-US" dirty="0" smtClean="0"/>
+          </a:p>
+          <a:p>
+            <a:endParaRPr lang="en-US" dirty="0" smtClean="0"/>
+          </a:p>
+          <a:p>
+            <a:endParaRPr lang="en-US" dirty="0" smtClean="0"/>
+          </a:p>
+          <a:p>
+            <a:endParaRPr lang="en-US" dirty="0" smtClean="0"/>
+          </a:p>
+          <a:p>
+            <a:endParaRPr lang="en-US" dirty="0" smtClean="0"/>
+          </a:p>
+          <a:p>
+            <a:endParaRPr lang="en-US" dirty="0" smtClean="0"/>
+          </a:p>
+          <a:p>
             <a:endParaRPr lang="en-US" dirty="0"/>
-          </a:p>
-        </p:txBody>
-      </p:sp>
-      <p:sp>
-        <p:nvSpPr>
-          <p:cNvPr id="3" name="Content Placeholder 2"/>
-          <p:cNvSpPr>
-            <a:spLocks noGrp="1"/>
-          </p:cNvSpPr>
-          <p:nvPr>
-            <p:ph idx="1"/>
-          </p:nvPr>
-        </p:nvSpPr>
-        <p:spPr/>
-        <p:txBody>
-          <a:bodyPr/>
-          <a:lstStyle/>
-          <a:p>
-            <a:r>
-              <a:rPr lang="en-US" dirty="0" err="1" smtClean="0"/>
-              <a:t>TypeScirpt</a:t>
-            </a:r>
-            <a:r>
-              <a:rPr lang="en-US" dirty="0" smtClean="0"/>
-              <a:t> Compiler</a:t>
-            </a:r>
-          </a:p>
-          <a:p>
-            <a:r>
-              <a:rPr lang="en-US" dirty="0" smtClean="0"/>
-              <a:t>Compiles to standard JavaScript</a:t>
-            </a:r>
           </a:p>
         </p:txBody>
       </p:sp>
     </p:spTree>
     <p:extLst>
       <p:ext uri="{BB962C8B-B14F-4D97-AF65-F5344CB8AC3E}">
-        <p14:creationId xmlns:p14="http://schemas.microsoft.com/office/powerpoint/2010/main" val="3699970949"/>
+        <p14:creationId xmlns:p14="http://schemas.microsoft.com/office/powerpoint/2010/main" val="4261736165"/>
       </p:ext>
     </p:extLst>
   </p:cSld>
@@ -9622,7 +9829,7 @@
           <a:p>
             <a:r>
               <a:rPr lang="en-US" dirty="0" smtClean="0"/>
-              <a:t>Editors</a:t>
+              <a:t>tsc.exe</a:t>
             </a:r>
             <a:endParaRPr lang="en-US" dirty="0"/>
           </a:p>
@@ -9644,60 +9851,26 @@
           <a:lstStyle/>
           <a:p>
             <a:r>
+              <a:rPr lang="en-US" dirty="0" err="1" smtClean="0"/>
+              <a:t>TypeScirpt</a:t>
+            </a:r>
+            <a:r>
               <a:rPr lang="en-US" dirty="0" smtClean="0"/>
-              <a:t>Anything that can generate a .</a:t>
-            </a:r>
-            <a:r>
-              <a:rPr lang="en-US" dirty="0" err="1" smtClean="0"/>
-              <a:t>ts</a:t>
-            </a:r>
+              <a:t> Compiler</a:t>
+            </a:r>
+          </a:p>
+          <a:p>
             <a:r>
               <a:rPr lang="en-US" dirty="0" smtClean="0"/>
-              <a:t> file, use tsc.exe directly to compile</a:t>
-            </a:r>
-          </a:p>
-          <a:p>
-            <a:r>
-              <a:rPr lang="en-US" dirty="0" err="1" smtClean="0"/>
-              <a:t>TypeScript</a:t>
-            </a:r>
-            <a:r>
-              <a:rPr lang="en-US" dirty="0" smtClean="0"/>
-              <a:t> Playground – website</a:t>
-            </a:r>
-          </a:p>
-          <a:p>
-            <a:r>
-              <a:rPr lang="en-US" dirty="0" smtClean="0"/>
-              <a:t>Sublime</a:t>
-            </a:r>
-          </a:p>
-          <a:p>
-            <a:r>
-              <a:rPr lang="en-US" dirty="0" smtClean="0"/>
-              <a:t>Vim</a:t>
-            </a:r>
-          </a:p>
-          <a:p>
-            <a:r>
-              <a:rPr lang="en-US" dirty="0" err="1" smtClean="0"/>
-              <a:t>Emacs</a:t>
-            </a:r>
-            <a:endParaRPr lang="en-US" dirty="0" smtClean="0"/>
-          </a:p>
-          <a:p>
-            <a:r>
-              <a:rPr lang="en-US" dirty="0" smtClean="0"/>
-              <a:t>Visual Studio</a:t>
-            </a:r>
-            <a:endParaRPr lang="en-US" dirty="0"/>
+              <a:t>Compiles to standard JavaScript</a:t>
+            </a:r>
           </a:p>
         </p:txBody>
       </p:sp>
     </p:spTree>
     <p:extLst>
       <p:ext uri="{BB962C8B-B14F-4D97-AF65-F5344CB8AC3E}">
-        <p14:creationId xmlns:p14="http://schemas.microsoft.com/office/powerpoint/2010/main" val="2644981559"/>
+        <p14:creationId xmlns:p14="http://schemas.microsoft.com/office/powerpoint/2010/main" val="3699970949"/>
       </p:ext>
     </p:extLst>
   </p:cSld>
